--- a/Tutorial_for_clust_analysis.pptx
+++ b/Tutorial_for_clust_analysis.pptx
@@ -105,6 +105,11 @@
       </a:defRPr>
     </a:lvl9pPr>
   </p:defaultTextStyle>
+  <p:extLst>
+    <p:ext uri="{EFAFB233-063F-42B5-8137-9DF3F51BA10A}">
+      <p15:sldGuideLst xmlns:p15="http://schemas.microsoft.com/office/powerpoint/2012/main"/>
+    </p:ext>
+  </p:extLst>
 </p:presentation>
 </file>
 
@@ -239,7 +244,7 @@
           <a:p>
             <a:fld id="{7B8D0E74-305B-4058-A951-C82C00782E03}" type="datetimeFigureOut">
               <a:rPr lang="en-US" smtClean="0"/>
-              <a:t>7/6/2022</a:t>
+              <a:t>7/7/2022</a:t>
             </a:fld>
             <a:endParaRPr lang="en-US"/>
           </a:p>
@@ -409,7 +414,7 @@
           <a:p>
             <a:fld id="{7B8D0E74-305B-4058-A951-C82C00782E03}" type="datetimeFigureOut">
               <a:rPr lang="en-US" smtClean="0"/>
-              <a:t>7/6/2022</a:t>
+              <a:t>7/7/2022</a:t>
             </a:fld>
             <a:endParaRPr lang="en-US"/>
           </a:p>
@@ -589,7 +594,7 @@
           <a:p>
             <a:fld id="{7B8D0E74-305B-4058-A951-C82C00782E03}" type="datetimeFigureOut">
               <a:rPr lang="en-US" smtClean="0"/>
-              <a:t>7/6/2022</a:t>
+              <a:t>7/7/2022</a:t>
             </a:fld>
             <a:endParaRPr lang="en-US"/>
           </a:p>
@@ -759,7 +764,7 @@
           <a:p>
             <a:fld id="{7B8D0E74-305B-4058-A951-C82C00782E03}" type="datetimeFigureOut">
               <a:rPr lang="en-US" smtClean="0"/>
-              <a:t>7/6/2022</a:t>
+              <a:t>7/7/2022</a:t>
             </a:fld>
             <a:endParaRPr lang="en-US"/>
           </a:p>
@@ -1005,7 +1010,7 @@
           <a:p>
             <a:fld id="{7B8D0E74-305B-4058-A951-C82C00782E03}" type="datetimeFigureOut">
               <a:rPr lang="en-US" smtClean="0"/>
-              <a:t>7/6/2022</a:t>
+              <a:t>7/7/2022</a:t>
             </a:fld>
             <a:endParaRPr lang="en-US"/>
           </a:p>
@@ -1237,7 +1242,7 @@
           <a:p>
             <a:fld id="{7B8D0E74-305B-4058-A951-C82C00782E03}" type="datetimeFigureOut">
               <a:rPr lang="en-US" smtClean="0"/>
-              <a:t>7/6/2022</a:t>
+              <a:t>7/7/2022</a:t>
             </a:fld>
             <a:endParaRPr lang="en-US"/>
           </a:p>
@@ -1604,7 +1609,7 @@
           <a:p>
             <a:fld id="{7B8D0E74-305B-4058-A951-C82C00782E03}" type="datetimeFigureOut">
               <a:rPr lang="en-US" smtClean="0"/>
-              <a:t>7/6/2022</a:t>
+              <a:t>7/7/2022</a:t>
             </a:fld>
             <a:endParaRPr lang="en-US"/>
           </a:p>
@@ -1722,7 +1727,7 @@
           <a:p>
             <a:fld id="{7B8D0E74-305B-4058-A951-C82C00782E03}" type="datetimeFigureOut">
               <a:rPr lang="en-US" smtClean="0"/>
-              <a:t>7/6/2022</a:t>
+              <a:t>7/7/2022</a:t>
             </a:fld>
             <a:endParaRPr lang="en-US"/>
           </a:p>
@@ -1817,7 +1822,7 @@
           <a:p>
             <a:fld id="{7B8D0E74-305B-4058-A951-C82C00782E03}" type="datetimeFigureOut">
               <a:rPr lang="en-US" smtClean="0"/>
-              <a:t>7/6/2022</a:t>
+              <a:t>7/7/2022</a:t>
             </a:fld>
             <a:endParaRPr lang="en-US"/>
           </a:p>
@@ -2094,7 +2099,7 @@
           <a:p>
             <a:fld id="{7B8D0E74-305B-4058-A951-C82C00782E03}" type="datetimeFigureOut">
               <a:rPr lang="en-US" smtClean="0"/>
-              <a:t>7/6/2022</a:t>
+              <a:t>7/7/2022</a:t>
             </a:fld>
             <a:endParaRPr lang="en-US"/>
           </a:p>
@@ -2347,7 +2352,7 @@
           <a:p>
             <a:fld id="{7B8D0E74-305B-4058-A951-C82C00782E03}" type="datetimeFigureOut">
               <a:rPr lang="en-US" smtClean="0"/>
-              <a:t>7/6/2022</a:t>
+              <a:t>7/7/2022</a:t>
             </a:fld>
             <a:endParaRPr lang="en-US"/>
           </a:p>
@@ -2560,7 +2565,7 @@
           <a:p>
             <a:fld id="{7B8D0E74-305B-4058-A951-C82C00782E03}" type="datetimeFigureOut">
               <a:rPr lang="en-US" smtClean="0"/>
-              <a:t>7/6/2022</a:t>
+              <a:t>7/7/2022</a:t>
             </a:fld>
             <a:endParaRPr lang="en-US"/>
           </a:p>
@@ -2974,7 +2979,7 @@
         <p:spPr>
           <a:xfrm>
             <a:off x="205946" y="1390820"/>
-            <a:ext cx="10101099" cy="3139321"/>
+            <a:ext cx="11267765" cy="3416320"/>
           </a:xfrm>
           <a:prstGeom prst="rect">
             <a:avLst/>
@@ -2988,15 +2993,7 @@
           <a:p>
             <a:r>
               <a:rPr lang="en-US" dirty="0" smtClean="0"/>
-              <a:t>#python code and data </a:t>
-            </a:r>
-            <a:r>
-              <a:rPr lang="en-US" dirty="0" smtClean="0"/>
-              <a:t>example </a:t>
-            </a:r>
-            <a:r>
-              <a:rPr lang="en-US" dirty="0" smtClean="0"/>
-              <a:t>to analyze </a:t>
+              <a:t>#python code and data example to analyze </a:t>
             </a:r>
             <a:r>
               <a:rPr lang="en-US" dirty="0" err="1" smtClean="0"/>
@@ -3075,24 +3072,20 @@
               <a:t> </a:t>
             </a:r>
             <a:r>
-              <a:rPr lang="en-US" b="1" dirty="0" smtClean="0">
+              <a:rPr lang="en-US" altLang="ko-KR" b="1" dirty="0">
                 <a:solidFill>
                   <a:srgbClr val="FF0000"/>
                 </a:solidFill>
               </a:rPr>
-              <a:t>TPM_clust_test.txt</a:t>
-            </a:r>
-            <a:r>
-              <a:rPr lang="ko-KR" altLang="en-US" b="1" dirty="0" smtClean="0">
-                <a:solidFill>
-                  <a:srgbClr val="FF0000"/>
-                </a:solidFill>
-              </a:rPr>
-              <a:t> </a:t>
+              <a:t>Col_Wounding_RNA_seq.txt </a:t>
             </a:r>
             <a:r>
               <a:rPr lang="en-US" altLang="ko-KR" b="1" dirty="0" smtClean="0"/>
-              <a:t>–t </a:t>
+              <a:t>-</a:t>
+            </a:r>
+            <a:r>
+              <a:rPr lang="en-US" altLang="ko-KR" b="1" dirty="0" smtClean="0"/>
+              <a:t>t </a:t>
             </a:r>
             <a:r>
               <a:rPr lang="en-US" altLang="ko-KR" b="1" dirty="0" smtClean="0">
@@ -3104,7 +3097,11 @@
             </a:r>
             <a:r>
               <a:rPr lang="en-US" altLang="ko-KR" b="1" dirty="0" smtClean="0"/>
-              <a:t> –o </a:t>
+              <a:t> </a:t>
+            </a:r>
+            <a:r>
+              <a:rPr lang="en-US" altLang="ko-KR" b="1" dirty="0" smtClean="0"/>
+              <a:t>-o </a:t>
             </a:r>
             <a:r>
               <a:rPr lang="en-US" altLang="ko-KR" b="1" dirty="0" err="1" smtClean="0">
@@ -3112,7 +3109,23 @@
                   <a:srgbClr val="FF0000"/>
                 </a:solidFill>
               </a:rPr>
-              <a:t>TPM_clust_test_result</a:t>
+              <a:t>clust_test_result</a:t>
+            </a:r>
+            <a:r>
+              <a:rPr lang="en-US" altLang="ko-KR" b="1" dirty="0" smtClean="0"/>
+              <a:t> </a:t>
+            </a:r>
+            <a:r>
+              <a:rPr lang="en-US" altLang="ko-KR" b="1" dirty="0" smtClean="0"/>
+              <a:t>-r </a:t>
+            </a:r>
+            <a:r>
+              <a:rPr lang="en-US" altLang="ko-KR" b="1" dirty="0">
+                <a:solidFill>
+                  <a:srgbClr val="FF0000"/>
+                </a:solidFill>
+              </a:rPr>
+              <a:t>replicates_info.txt</a:t>
             </a:r>
             <a:endParaRPr lang="en-US" b="1" dirty="0">
               <a:solidFill>
@@ -3126,20 +3139,43 @@
           <a:p>
             <a:r>
               <a:rPr lang="en-US" dirty="0" smtClean="0"/>
-              <a:t>#copy “</a:t>
-            </a:r>
-            <a:r>
-              <a:rPr lang="en-US" dirty="0" err="1" smtClean="0"/>
-              <a:t>Clusters_Objects.tsv</a:t>
+              <a:t>#copy </a:t>
+            </a:r>
+            <a:r>
+              <a:rPr lang="en-US" dirty="0"/>
+              <a:t>“</a:t>
             </a:r>
             <a:r>
               <a:rPr lang="en-US" dirty="0" smtClean="0"/>
-              <a:t>” file in the result folder to the directory where the </a:t>
+              <a:t>replicates_info.txt” </a:t>
+            </a:r>
+            <a:r>
+              <a:rPr lang="en-US" dirty="0"/>
+              <a:t>and “</a:t>
             </a:r>
             <a:r>
               <a:rPr lang="en-US" dirty="0" smtClean="0"/>
-              <a:t>TPM_clust_test.txt located</a:t>
-            </a:r>
+              <a:t>Col_Wounding_fitted_value_RNA_seq.txt” </a:t>
+            </a:r>
+            <a:r>
+              <a:rPr lang="en-US" dirty="0" smtClean="0"/>
+              <a:t>files to </a:t>
+            </a:r>
+            <a:r>
+              <a:rPr lang="en-US" dirty="0" smtClean="0"/>
+              <a:t>the result </a:t>
+            </a:r>
+            <a:r>
+              <a:rPr lang="en-US" dirty="0" smtClean="0"/>
+              <a:t>folder.</a:t>
+            </a:r>
+          </a:p>
+          <a:p>
+            <a:r>
+              <a:rPr lang="en-US" dirty="0" smtClean="0"/>
+              <a:t>#copy the “RNA_seq_tools_cluster-clusterheatmap-boxplot_consensus_v2.0_py3.py” python code to the result folder.</a:t>
+            </a:r>
+            <a:endParaRPr lang="en-US" dirty="0" smtClean="0"/>
           </a:p>
         </p:txBody>
       </p:sp>
@@ -3212,7 +3248,7 @@
         <p:spPr>
           <a:xfrm>
             <a:off x="205946" y="1206489"/>
-            <a:ext cx="11903676" cy="4093428"/>
+            <a:ext cx="11986054" cy="4616648"/>
           </a:xfrm>
           <a:prstGeom prst="rect">
             <a:avLst/>
@@ -3231,8 +3267,120 @@
           </a:p>
           <a:p>
             <a:r>
-              <a:rPr lang="en-US" sz="1600" b="1" dirty="0" smtClean="0"/>
-              <a:t>python3 RNA_seq_tools_cluster-clusterheatmap-boxplot_consensus_v2.0_py3.py -</a:t>
+              <a:rPr lang="en-US" sz="1400" b="1" dirty="0" smtClean="0"/>
+              <a:t>python3 </a:t>
+            </a:r>
+            <a:r>
+              <a:rPr lang="en-US" sz="1400" b="1" dirty="0"/>
+              <a:t>RNA_seq_tool-clust_result_processor_v2.0_py3.py </a:t>
+            </a:r>
+            <a:r>
+              <a:rPr lang="en-US" sz="1400" b="1" dirty="0" smtClean="0"/>
+              <a:t>-</a:t>
+            </a:r>
+            <a:r>
+              <a:rPr lang="en-US" sz="1400" b="1" dirty="0" err="1" smtClean="0"/>
+              <a:t>def</a:t>
+            </a:r>
+            <a:r>
+              <a:rPr lang="en-US" sz="1400" b="1" dirty="0" smtClean="0"/>
+              <a:t> </a:t>
+            </a:r>
+            <a:r>
+              <a:rPr lang="en-US" sz="1400" b="1" dirty="0" smtClean="0">
+                <a:solidFill>
+                  <a:srgbClr val="FF0000"/>
+                </a:solidFill>
+              </a:rPr>
+              <a:t>cl</a:t>
+            </a:r>
+            <a:r>
+              <a:rPr lang="en-US" sz="1400" b="1" dirty="0" smtClean="0"/>
+              <a:t> -</a:t>
+            </a:r>
+            <a:r>
+              <a:rPr lang="en-US" sz="1400" b="1" dirty="0" err="1" smtClean="0"/>
+              <a:t>clust</a:t>
+            </a:r>
+            <a:r>
+              <a:rPr lang="en-US" sz="1400" b="1" dirty="0" smtClean="0"/>
+              <a:t> </a:t>
+            </a:r>
+            <a:r>
+              <a:rPr lang="en-US" sz="1400" b="1" dirty="0" err="1" smtClean="0">
+                <a:solidFill>
+                  <a:srgbClr val="FF0000"/>
+                </a:solidFill>
+              </a:rPr>
+              <a:t>Clusters_Objects.tsv</a:t>
+            </a:r>
+            <a:r>
+              <a:rPr lang="en-US" sz="1400" b="1" dirty="0" smtClean="0"/>
+              <a:t> -</a:t>
+            </a:r>
+            <a:r>
+              <a:rPr lang="en-US" sz="1400" b="1" dirty="0" err="1" smtClean="0"/>
+              <a:t>dge</a:t>
+            </a:r>
+            <a:r>
+              <a:rPr lang="en-US" sz="1400" b="1" dirty="0" smtClean="0"/>
+              <a:t> </a:t>
+            </a:r>
+            <a:r>
+              <a:rPr lang="en-US" sz="1400" b="1" dirty="0">
+                <a:solidFill>
+                  <a:srgbClr val="FF0000"/>
+                </a:solidFill>
+              </a:rPr>
+              <a:t>Col_Wounding_RNA_seq.txt </a:t>
+            </a:r>
+            <a:r>
+              <a:rPr lang="en-US" sz="1400" b="1" dirty="0" smtClean="0"/>
+              <a:t>-</a:t>
+            </a:r>
+            <a:r>
+              <a:rPr lang="en-US" sz="1400" b="1" dirty="0"/>
+              <a:t>rep </a:t>
+            </a:r>
+            <a:r>
+              <a:rPr lang="en-US" sz="1400" b="1" dirty="0" smtClean="0">
+                <a:solidFill>
+                  <a:srgbClr val="FF0000"/>
+                </a:solidFill>
+              </a:rPr>
+              <a:t>replicates_info.txt </a:t>
+            </a:r>
+            <a:r>
+              <a:rPr lang="en-US" sz="1400" b="1" dirty="0" smtClean="0"/>
+              <a:t>-log2</a:t>
+            </a:r>
+            <a:r>
+              <a:rPr lang="en-US" sz="1400" b="1" dirty="0" smtClean="0">
+                <a:solidFill>
+                  <a:srgbClr val="FF0000"/>
+                </a:solidFill>
+              </a:rPr>
+              <a:t> yes</a:t>
+            </a:r>
+            <a:endParaRPr lang="en-US" sz="1400" b="1" dirty="0" smtClean="0">
+              <a:solidFill>
+                <a:srgbClr val="FF0000"/>
+              </a:solidFill>
+            </a:endParaRPr>
+          </a:p>
+          <a:p>
+            <a:endParaRPr lang="en-US" b="1" dirty="0" smtClean="0"/>
+          </a:p>
+          <a:p>
+            <a:r>
+              <a:rPr lang="en-US" dirty="0" smtClean="0"/>
+              <a:t>#Command for heat map drawing</a:t>
+            </a:r>
+          </a:p>
+          <a:p>
+            <a:r>
+              <a:rPr lang="en-US" sz="1600" b="1" dirty="0"/>
+              <a:t>python3 RNA_seq_tool-clust_result_processor_v2.0_py3.py -</a:t>
             </a:r>
             <a:r>
               <a:rPr lang="en-US" sz="1600" b="1" dirty="0" err="1" smtClean="0"/>
@@ -3243,40 +3391,60 @@
               <a:t> </a:t>
             </a:r>
             <a:r>
+              <a:rPr lang="en-US" sz="1600" b="1" dirty="0" err="1" smtClean="0">
+                <a:solidFill>
+                  <a:srgbClr val="FF0000"/>
+                </a:solidFill>
+              </a:rPr>
+              <a:t>hmap</a:t>
+            </a:r>
+            <a:r>
+              <a:rPr lang="en-US" sz="1600" b="1" dirty="0" smtClean="0"/>
+              <a:t> -consensus </a:t>
+            </a:r>
+            <a:r>
               <a:rPr lang="en-US" sz="1600" b="1" dirty="0" smtClean="0">
                 <a:solidFill>
                   <a:srgbClr val="FF0000"/>
                 </a:solidFill>
               </a:rPr>
-              <a:t>cl</a:t>
+              <a:t>.csv </a:t>
             </a:r>
             <a:r>
               <a:rPr lang="en-US" sz="1600" b="1" dirty="0" smtClean="0"/>
-              <a:t> -</a:t>
+              <a:t>-</a:t>
             </a:r>
             <a:r>
               <a:rPr lang="en-US" sz="1600" b="1" dirty="0" err="1" smtClean="0"/>
-              <a:t>tsv</a:t>
+              <a:t>fig_w</a:t>
             </a:r>
             <a:r>
               <a:rPr lang="en-US" sz="1600" b="1" dirty="0" smtClean="0"/>
               <a:t> </a:t>
             </a:r>
             <a:r>
-              <a:rPr lang="en-US" sz="1600" b="1" dirty="0" err="1" smtClean="0">
+              <a:rPr lang="en-US" sz="1600" b="1" dirty="0" smtClean="0">
                 <a:solidFill>
                   <a:srgbClr val="FF0000"/>
                 </a:solidFill>
               </a:rPr>
-              <a:t>Clusters_Objects.tsv</a:t>
-            </a:r>
-            <a:r>
-              <a:rPr lang="en-US" sz="1600" b="1" dirty="0" smtClean="0"/>
-              <a:t> -</a:t>
+              <a:t>8</a:t>
+            </a:r>
+            <a:r>
+              <a:rPr lang="en-US" sz="1600" b="1" dirty="0">
+                <a:solidFill>
+                  <a:srgbClr val="FF0000"/>
+                </a:solidFill>
+              </a:rPr>
+              <a:t> </a:t>
+            </a:r>
+            <a:r>
+              <a:rPr lang="en-US" sz="1600" b="1" dirty="0"/>
+              <a:t>-</a:t>
             </a:r>
             <a:r>
               <a:rPr lang="en-US" sz="1600" b="1" dirty="0" err="1" smtClean="0"/>
-              <a:t>dge</a:t>
+              <a:t>fig_h</a:t>
             </a:r>
             <a:r>
               <a:rPr lang="en-US" sz="1600" b="1" dirty="0" smtClean="0"/>
@@ -3288,50 +3456,19 @@
                   <a:srgbClr val="FF0000"/>
                 </a:solidFill>
               </a:rPr>
-              <a:t>TPM_clust_test.txt</a:t>
-            </a:r>
-          </a:p>
-          <a:p>
-            <a:endParaRPr lang="en-US" b="1" dirty="0" smtClean="0"/>
-          </a:p>
-          <a:p>
-            <a:r>
-              <a:rPr lang="en-US" dirty="0" smtClean="0"/>
-              <a:t>#Command for heat map drawing</a:t>
-            </a:r>
-          </a:p>
-          <a:p>
+              <a:t>16 </a:t>
+            </a:r>
             <a:r>
               <a:rPr lang="en-US" sz="1600" b="1" dirty="0" smtClean="0"/>
-              <a:t>python3 RNA_seq_tools_cluster-clusterheatmap-boxplot_consensus_v2.0_py3.py -</a:t>
-            </a:r>
-            <a:r>
-              <a:rPr lang="en-US" sz="1600" b="1" dirty="0" err="1" smtClean="0"/>
-              <a:t>def</a:t>
-            </a:r>
-            <a:r>
-              <a:rPr lang="en-US" sz="1600" b="1" dirty="0" smtClean="0"/>
-              <a:t> </a:t>
-            </a:r>
-            <a:r>
-              <a:rPr lang="en-US" sz="1600" b="1" dirty="0" err="1" smtClean="0">
+              <a:t>-dpi </a:t>
+            </a:r>
+            <a:r>
+              <a:rPr lang="en-US" sz="1600" b="1" dirty="0" smtClean="0">
                 <a:solidFill>
                   <a:srgbClr val="FF0000"/>
                 </a:solidFill>
               </a:rPr>
-              <a:t>hmap</a:t>
-            </a:r>
-            <a:r>
-              <a:rPr lang="en-US" sz="1600" b="1" dirty="0" smtClean="0"/>
-              <a:t> -consensus </a:t>
-            </a:r>
-            <a:r>
-              <a:rPr lang="en-US" sz="1600" b="1" dirty="0" smtClean="0">
-                <a:solidFill>
-                  <a:srgbClr val="FF0000"/>
-                </a:solidFill>
-              </a:rPr>
-              <a:t>genes).csv</a:t>
+              <a:t>200</a:t>
             </a:r>
             <a:endParaRPr lang="en-US" sz="2000" b="1" dirty="0" smtClean="0">
               <a:solidFill>
@@ -3351,7 +3488,11 @@
           <a:p>
             <a:r>
               <a:rPr lang="en-US" sz="1600" b="1" dirty="0" smtClean="0"/>
-              <a:t>python3 RNA_seq_tools_cluster-clusterheatmap-boxplot_consensus_v2.0_py3.py -</a:t>
+              <a:t>python3 </a:t>
+            </a:r>
+            <a:r>
+              <a:rPr lang="en-US" sz="1600" b="1" dirty="0"/>
+              <a:t>RNA_seq_tool-clust_result_processor_v2.0_py3.py -</a:t>
             </a:r>
             <a:r>
               <a:rPr lang="en-US" sz="1600" b="1" dirty="0" err="1" smtClean="0"/>
@@ -3374,13 +3515,74 @@
               <a:t> -consensus </a:t>
             </a:r>
             <a:r>
+              <a:rPr lang="en-US" sz="1600" b="1" dirty="0">
+                <a:solidFill>
+                  <a:srgbClr val="FF0000"/>
+                </a:solidFill>
+              </a:rPr>
+              <a:t>.csv </a:t>
+            </a:r>
+            <a:r>
+              <a:rPr lang="en-US" sz="1600" b="1" dirty="0"/>
+              <a:t>-</a:t>
+            </a:r>
+            <a:r>
+              <a:rPr lang="en-US" sz="1600" b="1" dirty="0" err="1"/>
+              <a:t>fig_w</a:t>
+            </a:r>
+            <a:r>
+              <a:rPr lang="en-US" sz="1600" b="1" dirty="0"/>
+              <a:t> </a:t>
+            </a:r>
+            <a:r>
+              <a:rPr lang="en-US" sz="1600" b="1" dirty="0">
+                <a:solidFill>
+                  <a:srgbClr val="FF0000"/>
+                </a:solidFill>
+              </a:rPr>
+              <a:t>8 </a:t>
+            </a:r>
+            <a:r>
+              <a:rPr lang="en-US" sz="1600" b="1" dirty="0"/>
+              <a:t>-</a:t>
+            </a:r>
+            <a:r>
+              <a:rPr lang="en-US" sz="1600" b="1" dirty="0" err="1"/>
+              <a:t>fig_h</a:t>
+            </a:r>
+            <a:r>
+              <a:rPr lang="en-US" sz="1600" b="1" dirty="0"/>
+              <a:t> </a:t>
+            </a:r>
+            <a:r>
+              <a:rPr lang="en-US" sz="1600" b="1" dirty="0">
+                <a:solidFill>
+                  <a:srgbClr val="FF0000"/>
+                </a:solidFill>
+              </a:rPr>
+              <a:t>16 </a:t>
+            </a:r>
+            <a:r>
+              <a:rPr lang="en-US" sz="1600" b="1" dirty="0" smtClean="0"/>
+              <a:t>-</a:t>
+            </a:r>
+            <a:r>
+              <a:rPr lang="en-US" sz="1600" b="1" dirty="0"/>
+              <a:t>dpi </a:t>
+            </a:r>
+            <a:r>
               <a:rPr lang="en-US" sz="1600" b="1" dirty="0" smtClean="0">
                 <a:solidFill>
                   <a:srgbClr val="FF0000"/>
                 </a:solidFill>
               </a:rPr>
-              <a:t>genes).csv</a:t>
-            </a:r>
+              <a:t>200</a:t>
+            </a:r>
+            <a:endParaRPr lang="en-US" sz="1600" b="1" dirty="0" smtClean="0">
+              <a:solidFill>
+                <a:srgbClr val="FF0000"/>
+              </a:solidFill>
+            </a:endParaRPr>
           </a:p>
           <a:p>
             <a:endParaRPr lang="en-US" b="1" dirty="0" smtClean="0"/>
@@ -3394,7 +3596,11 @@
           <a:p>
             <a:r>
               <a:rPr lang="en-US" sz="1600" b="1" dirty="0" smtClean="0"/>
-              <a:t>python3 RNA_seq_tools_cluster-clusterheatmap-boxplot_consensus_v2.0_py3.py -</a:t>
+              <a:t>python3 </a:t>
+            </a:r>
+            <a:r>
+              <a:rPr lang="en-US" sz="1600" b="1" dirty="0"/>
+              <a:t>RNA_seq_tool-clust_result_processor_v2.0_py3.py -</a:t>
             </a:r>
             <a:r>
               <a:rPr lang="en-US" sz="1600" b="1" dirty="0" err="1" smtClean="0"/>
@@ -3425,13 +3631,94 @@
               <a:t>-consensus </a:t>
             </a:r>
             <a:r>
+              <a:rPr lang="en-US" sz="1600" b="1" dirty="0">
+                <a:solidFill>
+                  <a:srgbClr val="FF0000"/>
+                </a:solidFill>
+              </a:rPr>
+              <a:t>.csv </a:t>
+            </a:r>
+            <a:r>
+              <a:rPr lang="en-US" sz="1600" b="1" dirty="0"/>
+              <a:t>-</a:t>
+            </a:r>
+            <a:r>
+              <a:rPr lang="en-US" sz="1600" b="1" dirty="0" err="1"/>
+              <a:t>fig_w</a:t>
+            </a:r>
+            <a:r>
+              <a:rPr lang="en-US" sz="1600" b="1" dirty="0"/>
+              <a:t> </a:t>
+            </a:r>
+            <a:r>
+              <a:rPr lang="en-US" sz="1600" b="1" dirty="0">
+                <a:solidFill>
+                  <a:srgbClr val="FF0000"/>
+                </a:solidFill>
+              </a:rPr>
+              <a:t>8 </a:t>
+            </a:r>
+            <a:r>
+              <a:rPr lang="en-US" sz="1600" b="1" dirty="0"/>
+              <a:t>-</a:t>
+            </a:r>
+            <a:r>
+              <a:rPr lang="en-US" sz="1600" b="1" dirty="0" err="1"/>
+              <a:t>fig_h</a:t>
+            </a:r>
+            <a:r>
+              <a:rPr lang="en-US" sz="1600" b="1" dirty="0"/>
+              <a:t> </a:t>
+            </a:r>
+            <a:r>
+              <a:rPr lang="en-US" sz="1600" b="1" dirty="0">
+                <a:solidFill>
+                  <a:srgbClr val="FF0000"/>
+                </a:solidFill>
+              </a:rPr>
+              <a:t>16 </a:t>
+            </a:r>
+            <a:r>
+              <a:rPr lang="en-US" sz="1600" b="1" dirty="0" smtClean="0"/>
+              <a:t>-</a:t>
+            </a:r>
+            <a:r>
+              <a:rPr lang="en-US" sz="1600" b="1" dirty="0"/>
+              <a:t>dpi </a:t>
+            </a:r>
+            <a:r>
               <a:rPr lang="en-US" sz="1600" b="1" dirty="0" smtClean="0">
                 <a:solidFill>
                   <a:srgbClr val="FF0000"/>
                 </a:solidFill>
               </a:rPr>
-              <a:t>genes).csv</a:t>
-            </a:r>
+              <a:t>200 </a:t>
+            </a:r>
+            <a:r>
+              <a:rPr lang="en-US" sz="1600" b="1" dirty="0" smtClean="0"/>
+              <a:t>-</a:t>
+            </a:r>
+            <a:r>
+              <a:rPr lang="en-US" sz="1600" b="1" dirty="0" err="1" smtClean="0"/>
+              <a:t>dot_size</a:t>
+            </a:r>
+            <a:r>
+              <a:rPr lang="en-US" sz="1600" b="1" dirty="0" smtClean="0"/>
+              <a:t> </a:t>
+            </a:r>
+            <a:r>
+              <a:rPr lang="en-US" sz="1600" b="1" dirty="0" smtClean="0">
+                <a:solidFill>
+                  <a:srgbClr val="FF0000"/>
+                </a:solidFill>
+              </a:rPr>
+              <a:t>1.0</a:t>
+            </a:r>
+            <a:endParaRPr lang="en-US" sz="1600" b="1" dirty="0" smtClean="0">
+              <a:solidFill>
+                <a:srgbClr val="FF0000"/>
+              </a:solidFill>
+            </a:endParaRPr>
           </a:p>
           <a:p>
             <a:endParaRPr lang="en-US" b="1" dirty="0" smtClean="0"/>
@@ -3445,7 +3732,11 @@
           <a:p>
             <a:r>
               <a:rPr lang="en-US" sz="1600" b="1" dirty="0" smtClean="0"/>
-              <a:t>python3 RNA_seq_tools_cluster-clusterheatmap-boxplot_consensus_v2.0_py3.py -</a:t>
+              <a:t>python3 </a:t>
+            </a:r>
+            <a:r>
+              <a:rPr lang="en-US" sz="1600" b="1" dirty="0"/>
+              <a:t>RNA_seq_tool-clust_result_processor_v2.0_py3.py -</a:t>
             </a:r>
             <a:r>
               <a:rPr lang="en-US" sz="1600" b="1" dirty="0" err="1" smtClean="0"/>
@@ -3476,13 +3767,103 @@
               <a:t>-consensus </a:t>
             </a:r>
             <a:r>
+              <a:rPr lang="en-US" sz="1600" b="1" dirty="0">
+                <a:solidFill>
+                  <a:srgbClr val="FF0000"/>
+                </a:solidFill>
+              </a:rPr>
+              <a:t>.csv </a:t>
+            </a:r>
+            <a:r>
+              <a:rPr lang="en-US" sz="1600" b="1" dirty="0"/>
+              <a:t>-</a:t>
+            </a:r>
+            <a:r>
+              <a:rPr lang="en-US" sz="1600" b="1" dirty="0" err="1"/>
+              <a:t>fig_w</a:t>
+            </a:r>
+            <a:r>
+              <a:rPr lang="en-US" sz="1600" b="1" dirty="0"/>
+              <a:t> </a:t>
+            </a:r>
+            <a:r>
+              <a:rPr lang="en-US" sz="1600" b="1" dirty="0">
+                <a:solidFill>
+                  <a:srgbClr val="FF0000"/>
+                </a:solidFill>
+              </a:rPr>
+              <a:t>8 </a:t>
+            </a:r>
+            <a:r>
+              <a:rPr lang="en-US" sz="1600" b="1" dirty="0"/>
+              <a:t>-</a:t>
+            </a:r>
+            <a:r>
+              <a:rPr lang="en-US" sz="1600" b="1" dirty="0" err="1"/>
+              <a:t>fig_h</a:t>
+            </a:r>
+            <a:r>
+              <a:rPr lang="en-US" sz="1600" b="1" dirty="0"/>
+              <a:t> </a:t>
+            </a:r>
+            <a:r>
+              <a:rPr lang="en-US" sz="1600" b="1" dirty="0">
+                <a:solidFill>
+                  <a:srgbClr val="FF0000"/>
+                </a:solidFill>
+              </a:rPr>
+              <a:t>16 </a:t>
+            </a:r>
+            <a:r>
+              <a:rPr lang="en-US" sz="1600" b="1" dirty="0" smtClean="0"/>
+              <a:t>-</a:t>
+            </a:r>
+            <a:r>
+              <a:rPr lang="en-US" sz="1600" b="1" dirty="0"/>
+              <a:t>dpi </a:t>
+            </a:r>
+            <a:r>
               <a:rPr lang="en-US" sz="1600" b="1" dirty="0" smtClean="0">
                 <a:solidFill>
                   <a:srgbClr val="FF0000"/>
                 </a:solidFill>
               </a:rPr>
-              <a:t>genes).csv</a:t>
-            </a:r>
+              <a:t>200 </a:t>
+            </a:r>
+            <a:r>
+              <a:rPr lang="en-US" sz="1600" b="1" dirty="0"/>
+              <a:t>-</a:t>
+            </a:r>
+            <a:r>
+              <a:rPr lang="en-US" sz="1600" b="1" dirty="0" err="1"/>
+              <a:t>dot_size</a:t>
+            </a:r>
+            <a:r>
+              <a:rPr lang="en-US" sz="1600" b="1" dirty="0"/>
+              <a:t> </a:t>
+            </a:r>
+            <a:r>
+              <a:rPr lang="en-US" sz="1600" b="1" dirty="0">
+                <a:solidFill>
+                  <a:srgbClr val="FF0000"/>
+                </a:solidFill>
+              </a:rPr>
+              <a:t>1.0</a:t>
+            </a:r>
+          </a:p>
+          <a:p>
+            <a:endParaRPr lang="en-US" sz="2000" b="1" dirty="0">
+              <a:solidFill>
+                <a:srgbClr val="FF0000"/>
+              </a:solidFill>
+            </a:endParaRPr>
+          </a:p>
+          <a:p>
+            <a:endParaRPr lang="en-US" sz="1600" b="1" dirty="0" smtClean="0">
+              <a:solidFill>
+                <a:srgbClr val="FF0000"/>
+              </a:solidFill>
+            </a:endParaRPr>
           </a:p>
           <a:p>
             <a:endParaRPr lang="en-US" b="1" dirty="0" smtClean="0"/>

--- a/Tutorial_for_clust_analysis.pptx
+++ b/Tutorial_for_clust_analysis.pptx
@@ -244,7 +244,7 @@
           <a:p>
             <a:fld id="{7B8D0E74-305B-4058-A951-C82C00782E03}" type="datetimeFigureOut">
               <a:rPr lang="en-US" smtClean="0"/>
-              <a:t>7/7/2022</a:t>
+              <a:t>7/11/2022</a:t>
             </a:fld>
             <a:endParaRPr lang="en-US"/>
           </a:p>
@@ -414,7 +414,7 @@
           <a:p>
             <a:fld id="{7B8D0E74-305B-4058-A951-C82C00782E03}" type="datetimeFigureOut">
               <a:rPr lang="en-US" smtClean="0"/>
-              <a:t>7/7/2022</a:t>
+              <a:t>7/11/2022</a:t>
             </a:fld>
             <a:endParaRPr lang="en-US"/>
           </a:p>
@@ -594,7 +594,7 @@
           <a:p>
             <a:fld id="{7B8D0E74-305B-4058-A951-C82C00782E03}" type="datetimeFigureOut">
               <a:rPr lang="en-US" smtClean="0"/>
-              <a:t>7/7/2022</a:t>
+              <a:t>7/11/2022</a:t>
             </a:fld>
             <a:endParaRPr lang="en-US"/>
           </a:p>
@@ -764,7 +764,7 @@
           <a:p>
             <a:fld id="{7B8D0E74-305B-4058-A951-C82C00782E03}" type="datetimeFigureOut">
               <a:rPr lang="en-US" smtClean="0"/>
-              <a:t>7/7/2022</a:t>
+              <a:t>7/11/2022</a:t>
             </a:fld>
             <a:endParaRPr lang="en-US"/>
           </a:p>
@@ -1010,7 +1010,7 @@
           <a:p>
             <a:fld id="{7B8D0E74-305B-4058-A951-C82C00782E03}" type="datetimeFigureOut">
               <a:rPr lang="en-US" smtClean="0"/>
-              <a:t>7/7/2022</a:t>
+              <a:t>7/11/2022</a:t>
             </a:fld>
             <a:endParaRPr lang="en-US"/>
           </a:p>
@@ -1242,7 +1242,7 @@
           <a:p>
             <a:fld id="{7B8D0E74-305B-4058-A951-C82C00782E03}" type="datetimeFigureOut">
               <a:rPr lang="en-US" smtClean="0"/>
-              <a:t>7/7/2022</a:t>
+              <a:t>7/11/2022</a:t>
             </a:fld>
             <a:endParaRPr lang="en-US"/>
           </a:p>
@@ -1609,7 +1609,7 @@
           <a:p>
             <a:fld id="{7B8D0E74-305B-4058-A951-C82C00782E03}" type="datetimeFigureOut">
               <a:rPr lang="en-US" smtClean="0"/>
-              <a:t>7/7/2022</a:t>
+              <a:t>7/11/2022</a:t>
             </a:fld>
             <a:endParaRPr lang="en-US"/>
           </a:p>
@@ -1727,7 +1727,7 @@
           <a:p>
             <a:fld id="{7B8D0E74-305B-4058-A951-C82C00782E03}" type="datetimeFigureOut">
               <a:rPr lang="en-US" smtClean="0"/>
-              <a:t>7/7/2022</a:t>
+              <a:t>7/11/2022</a:t>
             </a:fld>
             <a:endParaRPr lang="en-US"/>
           </a:p>
@@ -1822,7 +1822,7 @@
           <a:p>
             <a:fld id="{7B8D0E74-305B-4058-A951-C82C00782E03}" type="datetimeFigureOut">
               <a:rPr lang="en-US" smtClean="0"/>
-              <a:t>7/7/2022</a:t>
+              <a:t>7/11/2022</a:t>
             </a:fld>
             <a:endParaRPr lang="en-US"/>
           </a:p>
@@ -2099,7 +2099,7 @@
           <a:p>
             <a:fld id="{7B8D0E74-305B-4058-A951-C82C00782E03}" type="datetimeFigureOut">
               <a:rPr lang="en-US" smtClean="0"/>
-              <a:t>7/7/2022</a:t>
+              <a:t>7/11/2022</a:t>
             </a:fld>
             <a:endParaRPr lang="en-US"/>
           </a:p>
@@ -2352,7 +2352,7 @@
           <a:p>
             <a:fld id="{7B8D0E74-305B-4058-A951-C82C00782E03}" type="datetimeFigureOut">
               <a:rPr lang="en-US" smtClean="0"/>
-              <a:t>7/7/2022</a:t>
+              <a:t>7/11/2022</a:t>
             </a:fld>
             <a:endParaRPr lang="en-US"/>
           </a:p>
@@ -2565,7 +2565,7 @@
           <a:p>
             <a:fld id="{7B8D0E74-305B-4058-A951-C82C00782E03}" type="datetimeFigureOut">
               <a:rPr lang="en-US" smtClean="0"/>
-              <a:t>7/7/2022</a:t>
+              <a:t>7/11/2022</a:t>
             </a:fld>
             <a:endParaRPr lang="en-US"/>
           </a:p>
@@ -3081,11 +3081,7 @@
             </a:r>
             <a:r>
               <a:rPr lang="en-US" altLang="ko-KR" b="1" dirty="0" smtClean="0"/>
-              <a:t>-</a:t>
-            </a:r>
-            <a:r>
-              <a:rPr lang="en-US" altLang="ko-KR" b="1" dirty="0" smtClean="0"/>
-              <a:t>t </a:t>
+              <a:t>-t </a:t>
             </a:r>
             <a:r>
               <a:rPr lang="en-US" altLang="ko-KR" b="1" dirty="0" smtClean="0">
@@ -3097,11 +3093,7 @@
             </a:r>
             <a:r>
               <a:rPr lang="en-US" altLang="ko-KR" b="1" dirty="0" smtClean="0"/>
-              <a:t> </a:t>
-            </a:r>
-            <a:r>
-              <a:rPr lang="en-US" altLang="ko-KR" b="1" dirty="0" smtClean="0"/>
-              <a:t>-o </a:t>
+              <a:t> -o </a:t>
             </a:r>
             <a:r>
               <a:rPr lang="en-US" altLang="ko-KR" b="1" dirty="0" err="1" smtClean="0">
@@ -3113,11 +3105,7 @@
             </a:r>
             <a:r>
               <a:rPr lang="en-US" altLang="ko-KR" b="1" dirty="0" smtClean="0"/>
-              <a:t> </a:t>
-            </a:r>
-            <a:r>
-              <a:rPr lang="en-US" altLang="ko-KR" b="1" dirty="0" smtClean="0"/>
-              <a:t>-r </a:t>
+              <a:t> -r </a:t>
             </a:r>
             <a:r>
               <a:rPr lang="en-US" altLang="ko-KR" b="1" dirty="0">
@@ -3155,19 +3143,7 @@
             </a:r>
             <a:r>
               <a:rPr lang="en-US" dirty="0" smtClean="0"/>
-              <a:t>Col_Wounding_fitted_value_RNA_seq.txt” </a:t>
-            </a:r>
-            <a:r>
-              <a:rPr lang="en-US" dirty="0" smtClean="0"/>
-              <a:t>files to </a:t>
-            </a:r>
-            <a:r>
-              <a:rPr lang="en-US" dirty="0" smtClean="0"/>
-              <a:t>the result </a:t>
-            </a:r>
-            <a:r>
-              <a:rPr lang="en-US" dirty="0" smtClean="0"/>
-              <a:t>folder.</a:t>
+              <a:t>Col_Wounding_fitted_value_RNA_seq.txt” files to the result folder.</a:t>
             </a:r>
           </a:p>
           <a:p>
@@ -3175,7 +3151,6 @@
               <a:rPr lang="en-US" dirty="0" smtClean="0"/>
               <a:t>#copy the “RNA_seq_tools_cluster-clusterheatmap-boxplot_consensus_v2.0_py3.py” python code to the result folder.</a:t>
             </a:r>
-            <a:endParaRPr lang="en-US" dirty="0" smtClean="0"/>
           </a:p>
         </p:txBody>
       </p:sp>
@@ -3248,7 +3223,7 @@
         <p:spPr>
           <a:xfrm>
             <a:off x="205946" y="1206489"/>
-            <a:ext cx="11986054" cy="4616648"/>
+            <a:ext cx="11986054" cy="5416868"/>
           </a:xfrm>
           <a:prstGeom prst="rect">
             <a:avLst/>
@@ -3362,11 +3337,6 @@
               </a:rPr>
               <a:t> yes</a:t>
             </a:r>
-            <a:endParaRPr lang="en-US" sz="1400" b="1" dirty="0" smtClean="0">
-              <a:solidFill>
-                <a:srgbClr val="FF0000"/>
-              </a:solidFill>
-            </a:endParaRPr>
           </a:p>
           <a:p>
             <a:endParaRPr lang="en-US" b="1" dirty="0" smtClean="0"/>
@@ -3578,48 +3548,346 @@
               </a:rPr>
               <a:t>200</a:t>
             </a:r>
-            <a:endParaRPr lang="en-US" sz="1600" b="1" dirty="0" smtClean="0">
+          </a:p>
+          <a:p>
+            <a:endParaRPr lang="en-US" b="1" dirty="0" smtClean="0"/>
+          </a:p>
+          <a:p>
+            <a:r>
+              <a:rPr lang="en-US" dirty="0" smtClean="0"/>
+              <a:t>#Command for box plot drawing</a:t>
+            </a:r>
+          </a:p>
+          <a:p>
+            <a:r>
+              <a:rPr lang="en-US" sz="1600" b="1" dirty="0" smtClean="0"/>
+              <a:t>python3 </a:t>
+            </a:r>
+            <a:r>
+              <a:rPr lang="en-US" sz="1600" b="1" dirty="0"/>
+              <a:t>RNA_seq_tool-clust_result_processor_v2.0_py3.py -</a:t>
+            </a:r>
+            <a:r>
+              <a:rPr lang="en-US" sz="1600" b="1" dirty="0" err="1" smtClean="0"/>
+              <a:t>def</a:t>
+            </a:r>
+            <a:r>
+              <a:rPr lang="en-US" sz="1600" b="1" dirty="0" smtClean="0"/>
+              <a:t> </a:t>
+            </a:r>
+            <a:r>
+              <a:rPr lang="en-US" sz="1600" b="1" dirty="0" err="1" smtClean="0">
+                <a:solidFill>
+                  <a:srgbClr val="FF0000"/>
+                </a:solidFill>
+              </a:rPr>
+              <a:t>bp</a:t>
+            </a:r>
+            <a:r>
+              <a:rPr lang="en-US" sz="1600" b="1" dirty="0" smtClean="0">
+                <a:solidFill>
+                  <a:srgbClr val="FF0000"/>
+                </a:solidFill>
+              </a:rPr>
+              <a:t> </a:t>
+            </a:r>
+            <a:r>
+              <a:rPr lang="en-US" sz="1600" b="1" dirty="0" smtClean="0"/>
+              <a:t>-consensus </a:t>
+            </a:r>
+            <a:r>
+              <a:rPr lang="en-US" sz="1600" b="1" dirty="0">
+                <a:solidFill>
+                  <a:srgbClr val="FF0000"/>
+                </a:solidFill>
+              </a:rPr>
+              <a:t>.csv </a:t>
+            </a:r>
+            <a:r>
+              <a:rPr lang="en-US" sz="1600" b="1" dirty="0"/>
+              <a:t>-</a:t>
+            </a:r>
+            <a:r>
+              <a:rPr lang="en-US" sz="1600" b="1" dirty="0" err="1"/>
+              <a:t>fig_w</a:t>
+            </a:r>
+            <a:r>
+              <a:rPr lang="en-US" sz="1600" b="1" dirty="0"/>
+              <a:t> </a:t>
+            </a:r>
+            <a:r>
+              <a:rPr lang="en-US" sz="1600" b="1" dirty="0">
+                <a:solidFill>
+                  <a:srgbClr val="FF0000"/>
+                </a:solidFill>
+              </a:rPr>
+              <a:t>8 </a:t>
+            </a:r>
+            <a:r>
+              <a:rPr lang="en-US" sz="1600" b="1" dirty="0"/>
+              <a:t>-</a:t>
+            </a:r>
+            <a:r>
+              <a:rPr lang="en-US" sz="1600" b="1" dirty="0" err="1"/>
+              <a:t>fig_h</a:t>
+            </a:r>
+            <a:r>
+              <a:rPr lang="en-US" sz="1600" b="1" dirty="0"/>
+              <a:t> </a:t>
+            </a:r>
+            <a:r>
+              <a:rPr lang="en-US" sz="1600" b="1" dirty="0">
+                <a:solidFill>
+                  <a:srgbClr val="FF0000"/>
+                </a:solidFill>
+              </a:rPr>
+              <a:t>16 </a:t>
+            </a:r>
+            <a:r>
+              <a:rPr lang="en-US" sz="1600" b="1" dirty="0" smtClean="0"/>
+              <a:t>-</a:t>
+            </a:r>
+            <a:r>
+              <a:rPr lang="en-US" sz="1600" b="1" dirty="0"/>
+              <a:t>dpi </a:t>
+            </a:r>
+            <a:r>
+              <a:rPr lang="en-US" sz="1600" b="1" dirty="0" smtClean="0">
+                <a:solidFill>
+                  <a:srgbClr val="FF0000"/>
+                </a:solidFill>
+              </a:rPr>
+              <a:t>200 </a:t>
+            </a:r>
+            <a:r>
+              <a:rPr lang="en-US" sz="1600" b="1" dirty="0" smtClean="0"/>
+              <a:t>-</a:t>
+            </a:r>
+            <a:r>
+              <a:rPr lang="en-US" sz="1600" b="1" dirty="0" err="1" smtClean="0"/>
+              <a:t>dot_size</a:t>
+            </a:r>
+            <a:r>
+              <a:rPr lang="en-US" sz="1600" b="1" dirty="0" smtClean="0"/>
+              <a:t> </a:t>
+            </a:r>
+            <a:r>
+              <a:rPr lang="en-US" sz="1600" b="1" dirty="0" smtClean="0">
+                <a:solidFill>
+                  <a:srgbClr val="FF0000"/>
+                </a:solidFill>
+              </a:rPr>
+              <a:t>1.0</a:t>
+            </a:r>
+          </a:p>
+          <a:p>
+            <a:endParaRPr lang="en-US" b="1" dirty="0" smtClean="0"/>
+          </a:p>
+          <a:p>
+            <a:r>
+              <a:rPr lang="en-US" dirty="0" smtClean="0"/>
+              <a:t>#Command for violin plot drawing</a:t>
+            </a:r>
+          </a:p>
+          <a:p>
+            <a:r>
+              <a:rPr lang="en-US" sz="1600" b="1" dirty="0" smtClean="0"/>
+              <a:t>python3 </a:t>
+            </a:r>
+            <a:r>
+              <a:rPr lang="en-US" sz="1600" b="1" dirty="0"/>
+              <a:t>RNA_seq_tool-clust_result_processor_v2.0_py3.py -</a:t>
+            </a:r>
+            <a:r>
+              <a:rPr lang="en-US" sz="1600" b="1" dirty="0" err="1" smtClean="0"/>
+              <a:t>def</a:t>
+            </a:r>
+            <a:r>
+              <a:rPr lang="en-US" sz="1600" b="1" dirty="0" smtClean="0"/>
+              <a:t> </a:t>
+            </a:r>
+            <a:r>
+              <a:rPr lang="en-US" sz="1600" b="1" dirty="0" err="1" smtClean="0">
+                <a:solidFill>
+                  <a:srgbClr val="FF0000"/>
+                </a:solidFill>
+              </a:rPr>
+              <a:t>vp</a:t>
+            </a:r>
+            <a:r>
+              <a:rPr lang="en-US" sz="1600" b="1" dirty="0" smtClean="0">
+                <a:solidFill>
+                  <a:srgbClr val="FF0000"/>
+                </a:solidFill>
+              </a:rPr>
+              <a:t> </a:t>
+            </a:r>
+            <a:r>
+              <a:rPr lang="en-US" sz="1600" b="1" dirty="0" smtClean="0"/>
+              <a:t>-consensus </a:t>
+            </a:r>
+            <a:r>
+              <a:rPr lang="en-US" sz="1600" b="1" dirty="0">
+                <a:solidFill>
+                  <a:srgbClr val="FF0000"/>
+                </a:solidFill>
+              </a:rPr>
+              <a:t>.csv </a:t>
+            </a:r>
+            <a:r>
+              <a:rPr lang="en-US" sz="1600" b="1" dirty="0"/>
+              <a:t>-</a:t>
+            </a:r>
+            <a:r>
+              <a:rPr lang="en-US" sz="1600" b="1" dirty="0" err="1"/>
+              <a:t>fig_w</a:t>
+            </a:r>
+            <a:r>
+              <a:rPr lang="en-US" sz="1600" b="1" dirty="0"/>
+              <a:t> </a:t>
+            </a:r>
+            <a:r>
+              <a:rPr lang="en-US" sz="1600" b="1" dirty="0">
+                <a:solidFill>
+                  <a:srgbClr val="FF0000"/>
+                </a:solidFill>
+              </a:rPr>
+              <a:t>8 </a:t>
+            </a:r>
+            <a:r>
+              <a:rPr lang="en-US" sz="1600" b="1" dirty="0"/>
+              <a:t>-</a:t>
+            </a:r>
+            <a:r>
+              <a:rPr lang="en-US" sz="1600" b="1" dirty="0" err="1"/>
+              <a:t>fig_h</a:t>
+            </a:r>
+            <a:r>
+              <a:rPr lang="en-US" sz="1600" b="1" dirty="0"/>
+              <a:t> </a:t>
+            </a:r>
+            <a:r>
+              <a:rPr lang="en-US" sz="1600" b="1" dirty="0">
+                <a:solidFill>
+                  <a:srgbClr val="FF0000"/>
+                </a:solidFill>
+              </a:rPr>
+              <a:t>16 </a:t>
+            </a:r>
+            <a:r>
+              <a:rPr lang="en-US" sz="1600" b="1" dirty="0" smtClean="0"/>
+              <a:t>-</a:t>
+            </a:r>
+            <a:r>
+              <a:rPr lang="en-US" sz="1600" b="1" dirty="0"/>
+              <a:t>dpi </a:t>
+            </a:r>
+            <a:r>
+              <a:rPr lang="en-US" sz="1600" b="1" dirty="0" smtClean="0">
+                <a:solidFill>
+                  <a:srgbClr val="FF0000"/>
+                </a:solidFill>
+              </a:rPr>
+              <a:t>200 </a:t>
+            </a:r>
+            <a:r>
+              <a:rPr lang="en-US" sz="1600" b="1" dirty="0"/>
+              <a:t>-</a:t>
+            </a:r>
+            <a:r>
+              <a:rPr lang="en-US" sz="1600" b="1" dirty="0" err="1"/>
+              <a:t>dot_size</a:t>
+            </a:r>
+            <a:r>
+              <a:rPr lang="en-US" sz="1600" b="1" dirty="0"/>
+              <a:t> </a:t>
+            </a:r>
+            <a:r>
+              <a:rPr lang="en-US" sz="1600" b="1" dirty="0">
+                <a:solidFill>
+                  <a:srgbClr val="FF0000"/>
+                </a:solidFill>
+              </a:rPr>
+              <a:t>1.0</a:t>
+            </a:r>
+          </a:p>
+          <a:p>
+            <a:endParaRPr lang="en-US" sz="2000" b="1" dirty="0">
               <a:solidFill>
                 <a:srgbClr val="FF0000"/>
               </a:solidFill>
             </a:endParaRPr>
           </a:p>
           <a:p>
-            <a:endParaRPr lang="en-US" b="1" dirty="0" smtClean="0"/>
-          </a:p>
-          <a:p>
-            <a:r>
-              <a:rPr lang="en-US" dirty="0" smtClean="0"/>
-              <a:t>#Command for box plot drawing</a:t>
-            </a:r>
-          </a:p>
-          <a:p>
-            <a:r>
-              <a:rPr lang="en-US" sz="1600" b="1" dirty="0" smtClean="0"/>
-              <a:t>python3 </a:t>
-            </a:r>
+            <a:r>
+              <a:rPr lang="en-US" sz="1600" dirty="0"/>
+              <a:t>#Command for </a:t>
+            </a:r>
+            <a:r>
+              <a:rPr lang="en-US" sz="1600" dirty="0" smtClean="0"/>
+              <a:t>raw data filtering and (or) converting to average value.</a:t>
+            </a:r>
+            <a:endParaRPr lang="en-US" sz="1600" dirty="0"/>
+          </a:p>
+          <a:p>
             <a:r>
               <a:rPr lang="en-US" sz="1600" b="1" dirty="0"/>
-              <a:t>RNA_seq_tool-clust_result_processor_v2.0_py3.py -</a:t>
-            </a:r>
-            <a:r>
-              <a:rPr lang="en-US" sz="1600" b="1" dirty="0" err="1" smtClean="0"/>
+              <a:t>python3 RNA_seq_tool-clust_result_processor_v2.0_py3.py -</a:t>
+            </a:r>
+            <a:r>
+              <a:rPr lang="en-US" sz="1600" b="1" dirty="0" err="1"/>
               <a:t>def</a:t>
             </a:r>
             <a:r>
-              <a:rPr lang="en-US" sz="1600" b="1" dirty="0" smtClean="0"/>
+              <a:rPr lang="en-US" sz="1600" b="1" dirty="0"/>
               <a:t> </a:t>
             </a:r>
             <a:r>
-              <a:rPr lang="en-US" sz="1600" b="1" dirty="0" err="1" smtClean="0">
+              <a:rPr lang="en-US" sz="1600" b="1" dirty="0" smtClean="0">
                 <a:solidFill>
                   <a:srgbClr val="FF0000"/>
                 </a:solidFill>
               </a:rPr>
-              <a:t>bp</a:t>
-            </a:r>
-            <a:r>
-              <a:rPr lang="en-US" sz="1600" b="1" dirty="0" smtClean="0">
+              <a:t>convert </a:t>
+            </a:r>
+            <a:r>
+              <a:rPr lang="en-US" sz="1600" b="1" dirty="0"/>
+              <a:t>-</a:t>
+            </a:r>
+            <a:r>
+              <a:rPr lang="en-US" sz="1600" b="1" dirty="0" err="1"/>
+              <a:t>dge</a:t>
+            </a:r>
+            <a:r>
+              <a:rPr lang="en-US" sz="1600" b="1" dirty="0"/>
+              <a:t> </a:t>
+            </a:r>
+            <a:r>
+              <a:rPr lang="en-US" sz="1600" b="1" dirty="0">
+                <a:solidFill>
+                  <a:srgbClr val="FF0000"/>
+                </a:solidFill>
+              </a:rPr>
+              <a:t>Col_Wounding_RNA_seq.txt </a:t>
+            </a:r>
+            <a:r>
+              <a:rPr lang="en-US" sz="1600" b="1" dirty="0"/>
+              <a:t>-rep </a:t>
+            </a:r>
+            <a:r>
+              <a:rPr lang="en-US" sz="1600" b="1" dirty="0">
+                <a:solidFill>
+                  <a:srgbClr val="FF0000"/>
+                </a:solidFill>
+              </a:rPr>
+              <a:t>replicates_info.txt </a:t>
+            </a:r>
+            <a:r>
+              <a:rPr lang="en-US" sz="1600" b="1" dirty="0"/>
+              <a:t>-log2</a:t>
+            </a:r>
+            <a:r>
+              <a:rPr lang="en-US" sz="1600" b="1" dirty="0">
                 <a:solidFill>
                   <a:srgbClr val="FF0000"/>
                 </a:solidFill>
@@ -3627,232 +3895,26 @@
               <a:t> </a:t>
             </a:r>
             <a:r>
+              <a:rPr lang="en-US" sz="1600" b="1" dirty="0" smtClean="0">
+                <a:solidFill>
+                  <a:srgbClr val="FF0000"/>
+                </a:solidFill>
+              </a:rPr>
+              <a:t>yes </a:t>
+            </a:r>
+            <a:r>
               <a:rPr lang="en-US" sz="1600" b="1" dirty="0" smtClean="0"/>
-              <a:t>-consensus </a:t>
-            </a:r>
-            <a:r>
-              <a:rPr lang="en-US" sz="1600" b="1" dirty="0">
+              <a:t>-min</a:t>
+            </a:r>
+            <a:r>
+              <a:rPr lang="en-US" sz="1600" b="1" dirty="0" smtClean="0">
                 <a:solidFill>
                   <a:srgbClr val="FF0000"/>
                 </a:solidFill>
               </a:rPr>
-              <a:t>.csv </a:t>
-            </a:r>
-            <a:r>
-              <a:rPr lang="en-US" sz="1600" b="1" dirty="0"/>
-              <a:t>-</a:t>
-            </a:r>
-            <a:r>
-              <a:rPr lang="en-US" sz="1600" b="1" dirty="0" err="1"/>
-              <a:t>fig_w</a:t>
-            </a:r>
-            <a:r>
-              <a:rPr lang="en-US" sz="1600" b="1" dirty="0"/>
-              <a:t> </a:t>
-            </a:r>
-            <a:r>
-              <a:rPr lang="en-US" sz="1600" b="1" dirty="0">
-                <a:solidFill>
-                  <a:srgbClr val="FF0000"/>
-                </a:solidFill>
-              </a:rPr>
-              <a:t>8 </a:t>
-            </a:r>
-            <a:r>
-              <a:rPr lang="en-US" sz="1600" b="1" dirty="0"/>
-              <a:t>-</a:t>
-            </a:r>
-            <a:r>
-              <a:rPr lang="en-US" sz="1600" b="1" dirty="0" err="1"/>
-              <a:t>fig_h</a:t>
-            </a:r>
-            <a:r>
-              <a:rPr lang="en-US" sz="1600" b="1" dirty="0"/>
-              <a:t> </a:t>
-            </a:r>
-            <a:r>
-              <a:rPr lang="en-US" sz="1600" b="1" dirty="0">
-                <a:solidFill>
-                  <a:srgbClr val="FF0000"/>
-                </a:solidFill>
-              </a:rPr>
-              <a:t>16 </a:t>
-            </a:r>
-            <a:r>
-              <a:rPr lang="en-US" sz="1600" b="1" dirty="0" smtClean="0"/>
-              <a:t>-</a:t>
-            </a:r>
-            <a:r>
-              <a:rPr lang="en-US" sz="1600" b="1" dirty="0"/>
-              <a:t>dpi </a:t>
-            </a:r>
-            <a:r>
-              <a:rPr lang="en-US" sz="1600" b="1" dirty="0" smtClean="0">
-                <a:solidFill>
-                  <a:srgbClr val="FF0000"/>
-                </a:solidFill>
-              </a:rPr>
-              <a:t>200 </a:t>
-            </a:r>
-            <a:r>
-              <a:rPr lang="en-US" sz="1600" b="1" dirty="0" smtClean="0"/>
-              <a:t>-</a:t>
-            </a:r>
-            <a:r>
-              <a:rPr lang="en-US" sz="1600" b="1" dirty="0" err="1" smtClean="0"/>
-              <a:t>dot_size</a:t>
-            </a:r>
-            <a:r>
-              <a:rPr lang="en-US" sz="1600" b="1" dirty="0" smtClean="0"/>
-              <a:t> </a:t>
-            </a:r>
-            <a:r>
-              <a:rPr lang="en-US" sz="1600" b="1" dirty="0" smtClean="0">
-                <a:solidFill>
-                  <a:srgbClr val="FF0000"/>
-                </a:solidFill>
-              </a:rPr>
-              <a:t>1.0</a:t>
-            </a:r>
-            <a:endParaRPr lang="en-US" sz="1600" b="1" dirty="0" smtClean="0">
-              <a:solidFill>
-                <a:srgbClr val="FF0000"/>
-              </a:solidFill>
-            </a:endParaRPr>
-          </a:p>
-          <a:p>
-            <a:endParaRPr lang="en-US" b="1" dirty="0" smtClean="0"/>
-          </a:p>
-          <a:p>
-            <a:r>
-              <a:rPr lang="en-US" dirty="0" smtClean="0"/>
-              <a:t>#Command for violin plot drawing</a:t>
-            </a:r>
-          </a:p>
-          <a:p>
-            <a:r>
-              <a:rPr lang="en-US" sz="1600" b="1" dirty="0" smtClean="0"/>
-              <a:t>python3 </a:t>
-            </a:r>
-            <a:r>
-              <a:rPr lang="en-US" sz="1600" b="1" dirty="0"/>
-              <a:t>RNA_seq_tool-clust_result_processor_v2.0_py3.py -</a:t>
-            </a:r>
-            <a:r>
-              <a:rPr lang="en-US" sz="1600" b="1" dirty="0" err="1" smtClean="0"/>
-              <a:t>def</a:t>
-            </a:r>
-            <a:r>
-              <a:rPr lang="en-US" sz="1600" b="1" dirty="0" smtClean="0"/>
-              <a:t> </a:t>
-            </a:r>
-            <a:r>
-              <a:rPr lang="en-US" sz="1600" b="1" dirty="0" err="1" smtClean="0">
-                <a:solidFill>
-                  <a:srgbClr val="FF0000"/>
-                </a:solidFill>
-              </a:rPr>
-              <a:t>vp</a:t>
-            </a:r>
-            <a:r>
-              <a:rPr lang="en-US" sz="1600" b="1" dirty="0" smtClean="0">
-                <a:solidFill>
-                  <a:srgbClr val="FF0000"/>
-                </a:solidFill>
-              </a:rPr>
-              <a:t> </a:t>
-            </a:r>
-            <a:r>
-              <a:rPr lang="en-US" sz="1600" b="1" dirty="0" smtClean="0"/>
-              <a:t>-consensus </a:t>
-            </a:r>
-            <a:r>
-              <a:rPr lang="en-US" sz="1600" b="1" dirty="0">
-                <a:solidFill>
-                  <a:srgbClr val="FF0000"/>
-                </a:solidFill>
-              </a:rPr>
-              <a:t>.csv </a:t>
-            </a:r>
-            <a:r>
-              <a:rPr lang="en-US" sz="1600" b="1" dirty="0"/>
-              <a:t>-</a:t>
-            </a:r>
-            <a:r>
-              <a:rPr lang="en-US" sz="1600" b="1" dirty="0" err="1"/>
-              <a:t>fig_w</a:t>
-            </a:r>
-            <a:r>
-              <a:rPr lang="en-US" sz="1600" b="1" dirty="0"/>
-              <a:t> </a:t>
-            </a:r>
-            <a:r>
-              <a:rPr lang="en-US" sz="1600" b="1" dirty="0">
-                <a:solidFill>
-                  <a:srgbClr val="FF0000"/>
-                </a:solidFill>
-              </a:rPr>
-              <a:t>8 </a:t>
-            </a:r>
-            <a:r>
-              <a:rPr lang="en-US" sz="1600" b="1" dirty="0"/>
-              <a:t>-</a:t>
-            </a:r>
-            <a:r>
-              <a:rPr lang="en-US" sz="1600" b="1" dirty="0" err="1"/>
-              <a:t>fig_h</a:t>
-            </a:r>
-            <a:r>
-              <a:rPr lang="en-US" sz="1600" b="1" dirty="0"/>
-              <a:t> </a:t>
-            </a:r>
-            <a:r>
-              <a:rPr lang="en-US" sz="1600" b="1" dirty="0">
-                <a:solidFill>
-                  <a:srgbClr val="FF0000"/>
-                </a:solidFill>
-              </a:rPr>
-              <a:t>16 </a:t>
-            </a:r>
-            <a:r>
-              <a:rPr lang="en-US" sz="1600" b="1" dirty="0" smtClean="0"/>
-              <a:t>-</a:t>
-            </a:r>
-            <a:r>
-              <a:rPr lang="en-US" sz="1600" b="1" dirty="0"/>
-              <a:t>dpi </a:t>
-            </a:r>
-            <a:r>
-              <a:rPr lang="en-US" sz="1600" b="1" dirty="0" smtClean="0">
-                <a:solidFill>
-                  <a:srgbClr val="FF0000"/>
-                </a:solidFill>
-              </a:rPr>
-              <a:t>200 </a:t>
-            </a:r>
-            <a:r>
-              <a:rPr lang="en-US" sz="1600" b="1" dirty="0"/>
-              <a:t>-</a:t>
-            </a:r>
-            <a:r>
-              <a:rPr lang="en-US" sz="1600" b="1" dirty="0" err="1"/>
-              <a:t>dot_size</a:t>
-            </a:r>
-            <a:r>
-              <a:rPr lang="en-US" sz="1600" b="1" dirty="0"/>
-              <a:t> </a:t>
-            </a:r>
-            <a:r>
-              <a:rPr lang="en-US" sz="1600" b="1" dirty="0">
-                <a:solidFill>
-                  <a:srgbClr val="FF0000"/>
-                </a:solidFill>
-              </a:rPr>
-              <a:t>1.0</a:t>
-            </a:r>
-          </a:p>
-          <a:p>
-            <a:endParaRPr lang="en-US" sz="2000" b="1" dirty="0">
+              <a:t> 10</a:t>
+            </a:r>
+            <a:endParaRPr lang="en-US" sz="1600" b="1" dirty="0">
               <a:solidFill>
                 <a:srgbClr val="FF0000"/>
               </a:solidFill>

--- a/Tutorial_for_clust_analysis.pptx
+++ b/Tutorial_for_clust_analysis.pptx
@@ -244,7 +244,7 @@
           <a:p>
             <a:fld id="{7B8D0E74-305B-4058-A951-C82C00782E03}" type="datetimeFigureOut">
               <a:rPr lang="en-US" smtClean="0"/>
-              <a:t>7/11/2022</a:t>
+              <a:t>7/12/2022</a:t>
             </a:fld>
             <a:endParaRPr lang="en-US"/>
           </a:p>
@@ -414,7 +414,7 @@
           <a:p>
             <a:fld id="{7B8D0E74-305B-4058-A951-C82C00782E03}" type="datetimeFigureOut">
               <a:rPr lang="en-US" smtClean="0"/>
-              <a:t>7/11/2022</a:t>
+              <a:t>7/12/2022</a:t>
             </a:fld>
             <a:endParaRPr lang="en-US"/>
           </a:p>
@@ -594,7 +594,7 @@
           <a:p>
             <a:fld id="{7B8D0E74-305B-4058-A951-C82C00782E03}" type="datetimeFigureOut">
               <a:rPr lang="en-US" smtClean="0"/>
-              <a:t>7/11/2022</a:t>
+              <a:t>7/12/2022</a:t>
             </a:fld>
             <a:endParaRPr lang="en-US"/>
           </a:p>
@@ -764,7 +764,7 @@
           <a:p>
             <a:fld id="{7B8D0E74-305B-4058-A951-C82C00782E03}" type="datetimeFigureOut">
               <a:rPr lang="en-US" smtClean="0"/>
-              <a:t>7/11/2022</a:t>
+              <a:t>7/12/2022</a:t>
             </a:fld>
             <a:endParaRPr lang="en-US"/>
           </a:p>
@@ -1010,7 +1010,7 @@
           <a:p>
             <a:fld id="{7B8D0E74-305B-4058-A951-C82C00782E03}" type="datetimeFigureOut">
               <a:rPr lang="en-US" smtClean="0"/>
-              <a:t>7/11/2022</a:t>
+              <a:t>7/12/2022</a:t>
             </a:fld>
             <a:endParaRPr lang="en-US"/>
           </a:p>
@@ -1242,7 +1242,7 @@
           <a:p>
             <a:fld id="{7B8D0E74-305B-4058-A951-C82C00782E03}" type="datetimeFigureOut">
               <a:rPr lang="en-US" smtClean="0"/>
-              <a:t>7/11/2022</a:t>
+              <a:t>7/12/2022</a:t>
             </a:fld>
             <a:endParaRPr lang="en-US"/>
           </a:p>
@@ -1609,7 +1609,7 @@
           <a:p>
             <a:fld id="{7B8D0E74-305B-4058-A951-C82C00782E03}" type="datetimeFigureOut">
               <a:rPr lang="en-US" smtClean="0"/>
-              <a:t>7/11/2022</a:t>
+              <a:t>7/12/2022</a:t>
             </a:fld>
             <a:endParaRPr lang="en-US"/>
           </a:p>
@@ -1727,7 +1727,7 @@
           <a:p>
             <a:fld id="{7B8D0E74-305B-4058-A951-C82C00782E03}" type="datetimeFigureOut">
               <a:rPr lang="en-US" smtClean="0"/>
-              <a:t>7/11/2022</a:t>
+              <a:t>7/12/2022</a:t>
             </a:fld>
             <a:endParaRPr lang="en-US"/>
           </a:p>
@@ -1822,7 +1822,7 @@
           <a:p>
             <a:fld id="{7B8D0E74-305B-4058-A951-C82C00782E03}" type="datetimeFigureOut">
               <a:rPr lang="en-US" smtClean="0"/>
-              <a:t>7/11/2022</a:t>
+              <a:t>7/12/2022</a:t>
             </a:fld>
             <a:endParaRPr lang="en-US"/>
           </a:p>
@@ -2099,7 +2099,7 @@
           <a:p>
             <a:fld id="{7B8D0E74-305B-4058-A951-C82C00782E03}" type="datetimeFigureOut">
               <a:rPr lang="en-US" smtClean="0"/>
-              <a:t>7/11/2022</a:t>
+              <a:t>7/12/2022</a:t>
             </a:fld>
             <a:endParaRPr lang="en-US"/>
           </a:p>
@@ -2352,7 +2352,7 @@
           <a:p>
             <a:fld id="{7B8D0E74-305B-4058-A951-C82C00782E03}" type="datetimeFigureOut">
               <a:rPr lang="en-US" smtClean="0"/>
-              <a:t>7/11/2022</a:t>
+              <a:t>7/12/2022</a:t>
             </a:fld>
             <a:endParaRPr lang="en-US"/>
           </a:p>
@@ -2565,7 +2565,7 @@
           <a:p>
             <a:fld id="{7B8D0E74-305B-4058-A951-C82C00782E03}" type="datetimeFigureOut">
               <a:rPr lang="en-US" smtClean="0"/>
-              <a:t>7/11/2022</a:t>
+              <a:t>7/12/2022</a:t>
             </a:fld>
             <a:endParaRPr lang="en-US"/>
           </a:p>
@@ -3068,11 +3068,19 @@
               <a:t>lust</a:t>
             </a:r>
             <a:r>
-              <a:rPr lang="en-US" b="1" dirty="0" smtClean="0"/>
+              <a:rPr lang="en-US" b="1" smtClean="0"/>
               <a:t> </a:t>
             </a:r>
             <a:r>
-              <a:rPr lang="en-US" altLang="ko-KR" b="1" dirty="0">
+              <a:rPr lang="en-US" b="1"/>
+              <a:t>--</a:t>
+            </a:r>
+            <a:r>
+              <a:rPr lang="en-US" b="1" smtClean="0"/>
+              <a:t>no-optimization </a:t>
+            </a:r>
+            <a:r>
+              <a:rPr lang="en-US" altLang="ko-KR" b="1" smtClean="0">
                 <a:solidFill>
                   <a:srgbClr val="FF0000"/>
                 </a:solidFill>

--- a/Tutorial_for_clust_analysis.pptx
+++ b/Tutorial_for_clust_analysis.pptx
@@ -3068,19 +3068,27 @@
               <a:t>lust</a:t>
             </a:r>
             <a:r>
-              <a:rPr lang="en-US" b="1" smtClean="0"/>
+              <a:rPr lang="en-US" b="1" dirty="0" smtClean="0"/>
               <a:t> </a:t>
             </a:r>
             <a:r>
-              <a:rPr lang="en-US" b="1"/>
+              <a:rPr lang="en-US" b="1" dirty="0"/>
               <a:t>--</a:t>
             </a:r>
             <a:r>
-              <a:rPr lang="en-US" b="1" smtClean="0"/>
-              <a:t>no-optimization </a:t>
-            </a:r>
-            <a:r>
-              <a:rPr lang="en-US" altLang="ko-KR" b="1" smtClean="0">
+              <a:rPr lang="en-US" b="1" dirty="0" smtClean="0"/>
+              <a:t>no-</a:t>
+            </a:r>
+            <a:r>
+              <a:rPr lang="en-US" b="1" dirty="0" err="1" smtClean="0"/>
+              <a:t>optimisation</a:t>
+            </a:r>
+            <a:r>
+              <a:rPr lang="en-US" b="1" dirty="0" smtClean="0"/>
+              <a:t> </a:t>
+            </a:r>
+            <a:r>
+              <a:rPr lang="en-US" altLang="ko-KR" b="1" dirty="0" smtClean="0">
                 <a:solidFill>
                   <a:srgbClr val="FF0000"/>
                 </a:solidFill>

--- a/Tutorial_for_clust_analysis.pptx
+++ b/Tutorial_for_clust_analysis.pptx
@@ -2979,7 +2979,7 @@
         <p:spPr>
           <a:xfrm>
             <a:off x="205946" y="1390820"/>
-            <a:ext cx="11267765" cy="3416320"/>
+            <a:ext cx="11267765" cy="4247317"/>
           </a:xfrm>
           <a:prstGeom prst="rect">
             <a:avLst/>
@@ -3006,9 +3006,57 @@
           </a:p>
           <a:p>
             <a:r>
-              <a:rPr lang="en-US" b="1" dirty="0" smtClean="0"/>
+              <a:rPr lang="en-US" b="1" dirty="0" smtClean="0">
+                <a:hlinkClick r:id="rId2"/>
+              </a:rPr>
+              <a:t>https://</a:t>
+            </a:r>
+            <a:r>
+              <a:rPr lang="en-US" b="1" dirty="0" smtClean="0">
+                <a:hlinkClick r:id="rId2"/>
+              </a:rPr>
+              <a:t>github.com/managene7/clust_analysis_for_RNA_seqs.git</a:t>
+            </a:r>
+            <a:endParaRPr lang="en-US" b="1" dirty="0" smtClean="0"/>
+          </a:p>
+          <a:p>
+            <a:r>
+              <a:rPr lang="en-US" dirty="0" smtClean="0"/>
+              <a:t>#to download python </a:t>
+            </a:r>
+            <a:r>
+              <a:rPr lang="en-US" dirty="0"/>
+              <a:t>code and data </a:t>
+            </a:r>
+            <a:r>
+              <a:rPr lang="en-US" dirty="0" smtClean="0"/>
+              <a:t>example (</a:t>
+            </a:r>
+            <a:r>
+              <a:rPr lang="en-US" dirty="0" err="1" smtClean="0"/>
+              <a:t>git</a:t>
+            </a:r>
+            <a:r>
+              <a:rPr lang="en-US" dirty="0" smtClean="0"/>
+              <a:t> has to be installed)</a:t>
+            </a:r>
+          </a:p>
+          <a:p>
+            <a:r>
+              <a:rPr lang="en-US" dirty="0" err="1" smtClean="0"/>
+              <a:t>git</a:t>
+            </a:r>
+            <a:r>
+              <a:rPr lang="en-US" dirty="0" smtClean="0"/>
+              <a:t> clone </a:t>
+            </a:r>
+            <a:r>
+              <a:rPr lang="en-US" b="1" dirty="0">
+                <a:hlinkClick r:id="rId2"/>
+              </a:rPr>
               <a:t>https://github.com/managene7/clust_analysis_for_RNA_seqs.git</a:t>
             </a:r>
+            <a:endParaRPr lang="en-US" b="1" dirty="0"/>
           </a:p>
           <a:p>
             <a:endParaRPr lang="en-US" b="1" dirty="0" smtClean="0"/>
@@ -3044,8 +3092,13 @@
           <a:p>
             <a:r>
               <a:rPr lang="en-US" dirty="0" smtClean="0"/>
-              <a:t>#Go to data directory</a:t>
-            </a:r>
+              <a:t>#Go to data </a:t>
+            </a:r>
+            <a:r>
+              <a:rPr lang="en-US" dirty="0" smtClean="0"/>
+              <a:t>directory</a:t>
+            </a:r>
+            <a:endParaRPr lang="en-US" dirty="0" smtClean="0"/>
           </a:p>
           <a:p>
             <a:r>
@@ -3077,15 +3130,7 @@
             </a:r>
             <a:r>
               <a:rPr lang="en-US" b="1" dirty="0" smtClean="0"/>
-              <a:t>no-</a:t>
-            </a:r>
-            <a:r>
-              <a:rPr lang="en-US" b="1" dirty="0" err="1" smtClean="0"/>
-              <a:t>optimisation</a:t>
-            </a:r>
-            <a:r>
-              <a:rPr lang="en-US" b="1" dirty="0" smtClean="0"/>
-              <a:t> </a:t>
+              <a:t>no-optimization </a:t>
             </a:r>
             <a:r>
               <a:rPr lang="en-US" altLang="ko-KR" b="1" dirty="0" smtClean="0">
@@ -3138,35 +3183,26 @@
             </a:endParaRPr>
           </a:p>
           <a:p>
+            <a:endParaRPr lang="en-US" dirty="0" smtClean="0"/>
+          </a:p>
+          <a:p>
+            <a:r>
+              <a:rPr lang="en-US" dirty="0" smtClean="0"/>
+              <a:t>#</a:t>
+            </a:r>
+            <a:r>
+              <a:rPr lang="en-US" dirty="0"/>
+              <a:t>copy “replicates_info.txt” and “Col_Wounding_fitted_value_RNA_seq.txt” files to the result folder.</a:t>
+            </a:r>
+          </a:p>
+          <a:p>
+            <a:r>
+              <a:rPr lang="en-US" dirty="0"/>
+              <a:t>#copy the “RNA_seq_tools_cluster-clusterheatmap-boxplot_consensus_v2.0_py3.py” python code to the result folder.</a:t>
+            </a:r>
+          </a:p>
+          <a:p>
             <a:endParaRPr lang="en-US" b="1" dirty="0" smtClean="0"/>
-          </a:p>
-          <a:p>
-            <a:r>
-              <a:rPr lang="en-US" dirty="0" smtClean="0"/>
-              <a:t>#copy </a:t>
-            </a:r>
-            <a:r>
-              <a:rPr lang="en-US" dirty="0"/>
-              <a:t>“</a:t>
-            </a:r>
-            <a:r>
-              <a:rPr lang="en-US" dirty="0" smtClean="0"/>
-              <a:t>replicates_info.txt” </a:t>
-            </a:r>
-            <a:r>
-              <a:rPr lang="en-US" dirty="0"/>
-              <a:t>and “</a:t>
-            </a:r>
-            <a:r>
-              <a:rPr lang="en-US" dirty="0" smtClean="0"/>
-              <a:t>Col_Wounding_fitted_value_RNA_seq.txt” files to the result folder.</a:t>
-            </a:r>
-          </a:p>
-          <a:p>
-            <a:r>
-              <a:rPr lang="en-US" dirty="0" smtClean="0"/>
-              <a:t>#copy the “RNA_seq_tools_cluster-clusterheatmap-boxplot_consensus_v2.0_py3.py” python code to the result folder.</a:t>
-            </a:r>
           </a:p>
         </p:txBody>
       </p:sp>
@@ -3836,26 +3872,21 @@
           </a:p>
           <a:p>
             <a:r>
-              <a:rPr lang="en-US" sz="1600" dirty="0"/>
-              <a:t>#Command for </a:t>
-            </a:r>
-            <a:r>
               <a:rPr lang="en-US" sz="1600" dirty="0" smtClean="0"/>
-              <a:t>raw data filtering and (or) converting to average value.</a:t>
-            </a:r>
-            <a:endParaRPr lang="en-US" sz="1600" dirty="0"/>
-          </a:p>
-          <a:p>
-            <a:r>
-              <a:rPr lang="en-US" sz="1600" b="1" dirty="0"/>
+              <a:t>#Command for raw data filtering and (or) converting to average value.</a:t>
+            </a:r>
+          </a:p>
+          <a:p>
+            <a:r>
+              <a:rPr lang="en-US" sz="1600" b="1" dirty="0" smtClean="0"/>
               <a:t>python3 RNA_seq_tool-clust_result_processor_v2.0_py3.py -</a:t>
             </a:r>
             <a:r>
-              <a:rPr lang="en-US" sz="1600" b="1" dirty="0" err="1"/>
+              <a:rPr lang="en-US" sz="1600" b="1" dirty="0" err="1" smtClean="0"/>
               <a:t>def</a:t>
             </a:r>
             <a:r>
-              <a:rPr lang="en-US" sz="1600" b="1" dirty="0"/>
+              <a:rPr lang="en-US" sz="1600" b="1" dirty="0" smtClean="0"/>
               <a:t> </a:t>
             </a:r>
             <a:r>
@@ -3867,19 +3898,19 @@
               <a:t>convert </a:t>
             </a:r>
             <a:r>
-              <a:rPr lang="en-US" sz="1600" b="1" dirty="0"/>
+              <a:rPr lang="en-US" sz="1600" b="1" dirty="0" smtClean="0"/>
               <a:t>-</a:t>
             </a:r>
             <a:r>
-              <a:rPr lang="en-US" sz="1600" b="1" dirty="0" err="1"/>
+              <a:rPr lang="en-US" sz="1600" b="1" dirty="0" err="1" smtClean="0"/>
               <a:t>dge</a:t>
             </a:r>
             <a:r>
-              <a:rPr lang="en-US" sz="1600" b="1" dirty="0"/>
+              <a:rPr lang="en-US" sz="1600" b="1" dirty="0" smtClean="0"/>
               <a:t> </a:t>
             </a:r>
             <a:r>
-              <a:rPr lang="en-US" sz="1600" b="1" dirty="0">
+              <a:rPr lang="en-US" sz="1600" b="1" dirty="0" smtClean="0">
                 <a:solidFill>
                   <a:srgbClr val="FF0000"/>
                 </a:solidFill>
@@ -3887,11 +3918,11 @@
               <a:t>Col_Wounding_RNA_seq.txt </a:t>
             </a:r>
             <a:r>
-              <a:rPr lang="en-US" sz="1600" b="1" dirty="0"/>
+              <a:rPr lang="en-US" sz="1600" b="1" dirty="0" smtClean="0"/>
               <a:t>-rep </a:t>
             </a:r>
             <a:r>
-              <a:rPr lang="en-US" sz="1600" b="1" dirty="0">
+              <a:rPr lang="en-US" sz="1600" b="1" dirty="0" smtClean="0">
                 <a:solidFill>
                   <a:srgbClr val="FF0000"/>
                 </a:solidFill>
@@ -3899,24 +3930,16 @@
               <a:t>replicates_info.txt </a:t>
             </a:r>
             <a:r>
-              <a:rPr lang="en-US" sz="1600" b="1" dirty="0"/>
+              <a:rPr lang="en-US" sz="1600" b="1" dirty="0" smtClean="0"/>
               <a:t>-log2</a:t>
             </a:r>
             <a:r>
-              <a:rPr lang="en-US" sz="1600" b="1" dirty="0">
+              <a:rPr lang="en-US" sz="1600" b="1" dirty="0" smtClean="0">
                 <a:solidFill>
                   <a:srgbClr val="FF0000"/>
                 </a:solidFill>
               </a:rPr>
-              <a:t> </a:t>
-            </a:r>
-            <a:r>
-              <a:rPr lang="en-US" sz="1600" b="1" dirty="0" smtClean="0">
-                <a:solidFill>
-                  <a:srgbClr val="FF0000"/>
-                </a:solidFill>
-              </a:rPr>
-              <a:t>yes </a:t>
+              <a:t> yes </a:t>
             </a:r>
             <a:r>
               <a:rPr lang="en-US" sz="1600" b="1" dirty="0" smtClean="0"/>
@@ -3930,11 +3953,6 @@
               </a:rPr>
               <a:t> 10</a:t>
             </a:r>
-            <a:endParaRPr lang="en-US" sz="1600" b="1" dirty="0">
-              <a:solidFill>
-                <a:srgbClr val="FF0000"/>
-              </a:solidFill>
-            </a:endParaRPr>
           </a:p>
           <a:p>
             <a:endParaRPr lang="en-US" sz="1600" b="1" dirty="0" smtClean="0">
